--- a/HackathonPPt - Mohamed Suhaib.pptx
+++ b/HackathonPPt - Mohamed Suhaib.pptx
@@ -17,6 +17,7 @@
     <p:sldId id="267" r:id="rId11"/>
     <p:sldId id="268" r:id="rId12"/>
     <p:sldId id="263" r:id="rId13"/>
+    <p:sldId id="269" r:id="rId14"/>
   </p:sldIdLst>
   <p:sldSz cx="12192000" cy="6858000"/>
   <p:notesSz cx="6858000" cy="9144000"/>
@@ -4401,6 +4402,462 @@
 </p:sld>
 </file>
 
+<file path=ppt/slides/slide13.xml><?xml version="1.0" encoding="utf-8"?>
+<p:sld xmlns:a="http://schemas.openxmlformats.org/drawingml/2006/main" xmlns:r="http://schemas.openxmlformats.org/officeDocument/2006/relationships" xmlns:p="http://schemas.openxmlformats.org/presentationml/2006/main">
+  <p:cSld>
+    <p:bg>
+      <p:bgPr>
+        <a:solidFill>
+          <a:schemeClr val="bg1"/>
+        </a:solidFill>
+        <a:effectLst/>
+      </p:bgPr>
+    </p:bg>
+    <p:spTree>
+      <p:nvGrpSpPr>
+        <p:cNvPr id="1" name=""/>
+        <p:cNvGrpSpPr/>
+        <p:nvPr/>
+      </p:nvGrpSpPr>
+      <p:grpSpPr>
+        <a:xfrm>
+          <a:off x="0" y="0"/>
+          <a:ext cx="0" cy="0"/>
+          <a:chOff x="0" y="0"/>
+          <a:chExt cx="0" cy="0"/>
+        </a:xfrm>
+      </p:grpSpPr>
+      <p:sp useBgFill="1">
+        <p:nvSpPr>
+          <p:cNvPr id="12" name="Rectangle 11">
+            <a:extLst>
+              <a:ext uri="{FF2B5EF4-FFF2-40B4-BE49-F238E27FC236}">
+                <a16:creationId xmlns:a16="http://schemas.microsoft.com/office/drawing/2014/main" id="{DA1766D0-745A-4921-A68E-56642A6508CF}"/>
+              </a:ext>
+              <a:ext uri="{C183D7F6-B498-43B3-948B-1728B52AA6E4}">
+                <adec:decorative xmlns:adec="http://schemas.microsoft.com/office/drawing/2017/decorative" val="1"/>
+              </a:ext>
+            </a:extLst>
+          </p:cNvPr>
+          <p:cNvSpPr>
+            <a:spLocks noGrp="1" noRot="1" noChangeAspect="1" noMove="1" noResize="1" noEditPoints="1" noAdjustHandles="1" noChangeArrowheads="1" noChangeShapeType="1" noTextEdit="1"/>
+          </p:cNvSpPr>
+          <p:nvPr>
+            <p:extLst>
+              <p:ext uri="{386F3935-93C4-4BCD-93E2-E3B085C9AB24}">
+                <p16:designElem xmlns:p16="http://schemas.microsoft.com/office/powerpoint/2015/main" val="1"/>
+              </p:ext>
+            </p:extLst>
+          </p:nvPr>
+        </p:nvSpPr>
+        <p:spPr>
+          <a:xfrm>
+            <a:off x="0" y="0"/>
+            <a:ext cx="12192000" cy="6858000"/>
+          </a:xfrm>
+          <a:prstGeom prst="rect">
+            <a:avLst/>
+          </a:prstGeom>
+          <a:ln w="12700" cap="flat" cmpd="sng" algn="ctr">
+            <a:noFill/>
+            <a:prstDash val="solid"/>
+            <a:miter lim="800000"/>
+          </a:ln>
+          <a:effectLst/>
+          <a:extLst>
+            <a:ext uri="{91240B29-F687-4F45-9708-019B960494DF}">
+              <a14:hiddenLine xmlns:a14="http://schemas.microsoft.com/office/drawing/2010/main" w="12700" cap="flat" cmpd="sng" algn="ctr">
+                <a:solidFill>
+                  <a:schemeClr val="accent1">
+                    <a:shade val="50000"/>
+                  </a:schemeClr>
+                </a:solidFill>
+                <a:prstDash val="solid"/>
+                <a:miter lim="800000"/>
+              </a14:hiddenLine>
+            </a:ext>
+          </a:extLst>
+        </p:spPr>
+        <p:style>
+          <a:lnRef idx="2">
+            <a:schemeClr val="accent1">
+              <a:shade val="50000"/>
+            </a:schemeClr>
+          </a:lnRef>
+          <a:fillRef idx="1">
+            <a:schemeClr val="accent1"/>
+          </a:fillRef>
+          <a:effectRef idx="0">
+            <a:schemeClr val="accent1"/>
+          </a:effectRef>
+          <a:fontRef idx="minor">
+            <a:schemeClr val="lt1"/>
+          </a:fontRef>
+        </p:style>
+        <p:txBody>
+          <a:bodyPr rtlCol="0" anchor="ctr"/>
+          <a:lstStyle/>
+          <a:p>
+            <a:pPr algn="ctr"/>
+            <a:endParaRPr lang="en-US"/>
+          </a:p>
+        </p:txBody>
+      </p:sp>
+      <p:sp>
+        <p:nvSpPr>
+          <p:cNvPr id="2" name="Title 1">
+            <a:extLst>
+              <a:ext uri="{FF2B5EF4-FFF2-40B4-BE49-F238E27FC236}">
+                <a16:creationId xmlns:a16="http://schemas.microsoft.com/office/drawing/2014/main" id="{0991CE84-B00D-8792-4AA8-9B7AFA8BC69C}"/>
+              </a:ext>
+            </a:extLst>
+          </p:cNvPr>
+          <p:cNvSpPr>
+            <a:spLocks noGrp="1"/>
+          </p:cNvSpPr>
+          <p:nvPr>
+            <p:ph type="title"/>
+          </p:nvPr>
+        </p:nvSpPr>
+        <p:spPr>
+          <a:xfrm>
+            <a:off x="1077364" y="720435"/>
+            <a:ext cx="4140096" cy="1507375"/>
+          </a:xfrm>
+        </p:spPr>
+        <p:txBody>
+          <a:bodyPr>
+            <a:normAutofit/>
+          </a:bodyPr>
+          <a:lstStyle/>
+          <a:p>
+            <a:r>
+              <a:rPr lang="en-US" dirty="0"/>
+              <a:t>API Creation Endpoint</a:t>
+            </a:r>
+          </a:p>
+        </p:txBody>
+      </p:sp>
+      <p:sp>
+        <p:nvSpPr>
+          <p:cNvPr id="14" name="Freeform: Shape 13">
+            <a:extLst>
+              <a:ext uri="{FF2B5EF4-FFF2-40B4-BE49-F238E27FC236}">
+                <a16:creationId xmlns:a16="http://schemas.microsoft.com/office/drawing/2014/main" id="{583F1E3F-D7BF-4DB5-8016-70B9E385E338}"/>
+              </a:ext>
+              <a:ext uri="{C183D7F6-B498-43B3-948B-1728B52AA6E4}">
+                <adec:decorative xmlns:adec="http://schemas.microsoft.com/office/drawing/2017/decorative" val="1"/>
+              </a:ext>
+            </a:extLst>
+          </p:cNvPr>
+          <p:cNvSpPr>
+            <a:spLocks noGrp="1" noRot="1" noChangeAspect="1" noMove="1" noResize="1" noEditPoints="1" noAdjustHandles="1" noChangeArrowheads="1" noChangeShapeType="1" noTextEdit="1"/>
+          </p:cNvSpPr>
+          <p:nvPr>
+            <p:extLst>
+              <p:ext uri="{386F3935-93C4-4BCD-93E2-E3B085C9AB24}">
+                <p16:designElem xmlns:p16="http://schemas.microsoft.com/office/powerpoint/2015/main" val="1"/>
+              </p:ext>
+            </p:extLst>
+          </p:nvPr>
+        </p:nvSpPr>
+        <p:spPr>
+          <a:xfrm rot="16200000">
+            <a:off x="8794726" y="-9066"/>
+            <a:ext cx="3388208" cy="3406341"/>
+          </a:xfrm>
+          <a:custGeom>
+            <a:avLst/>
+            <a:gdLst>
+              <a:gd name="connsiteX0" fmla="*/ 3388058 w 3388208"/>
+              <a:gd name="connsiteY0" fmla="*/ 0 h 3406341"/>
+              <a:gd name="connsiteX1" fmla="*/ 3388208 w 3388208"/>
+              <a:gd name="connsiteY1" fmla="*/ 0 h 3406341"/>
+              <a:gd name="connsiteX2" fmla="*/ 3388208 w 3388208"/>
+              <a:gd name="connsiteY2" fmla="*/ 3406341 h 3406341"/>
+              <a:gd name="connsiteX3" fmla="*/ 0 w 3388208"/>
+              <a:gd name="connsiteY3" fmla="*/ 3406341 h 3406341"/>
+              <a:gd name="connsiteX4" fmla="*/ 79006 w 3388208"/>
+              <a:gd name="connsiteY4" fmla="*/ 3404386 h 3406341"/>
+              <a:gd name="connsiteX5" fmla="*/ 3383947 w 3388208"/>
+              <a:gd name="connsiteY5" fmla="*/ 164274 h 3406341"/>
+            </a:gdLst>
+            <a:ahLst/>
+            <a:cxnLst>
+              <a:cxn ang="0">
+                <a:pos x="connsiteX0" y="connsiteY0"/>
+              </a:cxn>
+              <a:cxn ang="0">
+                <a:pos x="connsiteX1" y="connsiteY1"/>
+              </a:cxn>
+              <a:cxn ang="0">
+                <a:pos x="connsiteX2" y="connsiteY2"/>
+              </a:cxn>
+              <a:cxn ang="0">
+                <a:pos x="connsiteX3" y="connsiteY3"/>
+              </a:cxn>
+              <a:cxn ang="0">
+                <a:pos x="connsiteX4" y="connsiteY4"/>
+              </a:cxn>
+              <a:cxn ang="0">
+                <a:pos x="connsiteX5" y="connsiteY5"/>
+              </a:cxn>
+            </a:cxnLst>
+            <a:rect l="l" t="t" r="r" b="b"/>
+            <a:pathLst>
+              <a:path w="3388208" h="3406341">
+                <a:moveTo>
+                  <a:pt x="3388058" y="0"/>
+                </a:moveTo>
+                <a:lnTo>
+                  <a:pt x="3388208" y="0"/>
+                </a:lnTo>
+                <a:lnTo>
+                  <a:pt x="3388208" y="3406341"/>
+                </a:lnTo>
+                <a:lnTo>
+                  <a:pt x="0" y="3406341"/>
+                </a:lnTo>
+                <a:lnTo>
+                  <a:pt x="79006" y="3404386"/>
+                </a:lnTo>
+                <a:cubicBezTo>
+                  <a:pt x="1864742" y="3315784"/>
+                  <a:pt x="3296223" y="1912901"/>
+                  <a:pt x="3383947" y="164274"/>
+                </a:cubicBezTo>
+                <a:close/>
+              </a:path>
+            </a:pathLst>
+          </a:custGeom>
+          <a:solidFill>
+            <a:schemeClr val="accent5"/>
+          </a:solidFill>
+          <a:ln>
+            <a:noFill/>
+          </a:ln>
+        </p:spPr>
+        <p:style>
+          <a:lnRef idx="2">
+            <a:schemeClr val="accent1">
+              <a:shade val="50000"/>
+            </a:schemeClr>
+          </a:lnRef>
+          <a:fillRef idx="1">
+            <a:schemeClr val="accent1"/>
+          </a:fillRef>
+          <a:effectRef idx="0">
+            <a:schemeClr val="accent1"/>
+          </a:effectRef>
+          <a:fontRef idx="minor">
+            <a:schemeClr val="lt1"/>
+          </a:fontRef>
+        </p:style>
+        <p:txBody>
+          <a:bodyPr wrap="square" rtlCol="0" anchor="ctr">
+            <a:noAutofit/>
+          </a:bodyPr>
+          <a:lstStyle/>
+          <a:p>
+            <a:pPr algn="ctr"/>
+            <a:endParaRPr lang="en-US"/>
+          </a:p>
+        </p:txBody>
+      </p:sp>
+      <p:sp>
+        <p:nvSpPr>
+          <p:cNvPr id="16" name="Freeform: Shape 15">
+            <a:extLst>
+              <a:ext uri="{FF2B5EF4-FFF2-40B4-BE49-F238E27FC236}">
+                <a16:creationId xmlns:a16="http://schemas.microsoft.com/office/drawing/2014/main" id="{DD0D3E7A-8DF6-4A78-A03C-86AD697468BE}"/>
+              </a:ext>
+              <a:ext uri="{C183D7F6-B498-43B3-948B-1728B52AA6E4}">
+                <adec:decorative xmlns:adec="http://schemas.microsoft.com/office/drawing/2017/decorative" val="1"/>
+              </a:ext>
+            </a:extLst>
+          </p:cNvPr>
+          <p:cNvSpPr>
+            <a:spLocks noGrp="1" noRot="1" noChangeAspect="1" noMove="1" noResize="1" noEditPoints="1" noAdjustHandles="1" noChangeArrowheads="1" noChangeShapeType="1" noTextEdit="1"/>
+          </p:cNvSpPr>
+          <p:nvPr>
+            <p:extLst>
+              <p:ext uri="{386F3935-93C4-4BCD-93E2-E3B085C9AB24}">
+                <p16:designElem xmlns:p16="http://schemas.microsoft.com/office/powerpoint/2015/main" val="1"/>
+              </p:ext>
+            </p:extLst>
+          </p:nvPr>
+        </p:nvSpPr>
+        <p:spPr>
+          <a:xfrm>
+            <a:off x="8803792" y="3470886"/>
+            <a:ext cx="3388208" cy="3406341"/>
+          </a:xfrm>
+          <a:custGeom>
+            <a:avLst/>
+            <a:gdLst>
+              <a:gd name="connsiteX0" fmla="*/ 3388058 w 3388208"/>
+              <a:gd name="connsiteY0" fmla="*/ 0 h 3406341"/>
+              <a:gd name="connsiteX1" fmla="*/ 3388208 w 3388208"/>
+              <a:gd name="connsiteY1" fmla="*/ 0 h 3406341"/>
+              <a:gd name="connsiteX2" fmla="*/ 3388208 w 3388208"/>
+              <a:gd name="connsiteY2" fmla="*/ 3406341 h 3406341"/>
+              <a:gd name="connsiteX3" fmla="*/ 0 w 3388208"/>
+              <a:gd name="connsiteY3" fmla="*/ 3406341 h 3406341"/>
+              <a:gd name="connsiteX4" fmla="*/ 79006 w 3388208"/>
+              <a:gd name="connsiteY4" fmla="*/ 3404386 h 3406341"/>
+              <a:gd name="connsiteX5" fmla="*/ 3383947 w 3388208"/>
+              <a:gd name="connsiteY5" fmla="*/ 164274 h 3406341"/>
+            </a:gdLst>
+            <a:ahLst/>
+            <a:cxnLst>
+              <a:cxn ang="0">
+                <a:pos x="connsiteX0" y="connsiteY0"/>
+              </a:cxn>
+              <a:cxn ang="0">
+                <a:pos x="connsiteX1" y="connsiteY1"/>
+              </a:cxn>
+              <a:cxn ang="0">
+                <a:pos x="connsiteX2" y="connsiteY2"/>
+              </a:cxn>
+              <a:cxn ang="0">
+                <a:pos x="connsiteX3" y="connsiteY3"/>
+              </a:cxn>
+              <a:cxn ang="0">
+                <a:pos x="connsiteX4" y="connsiteY4"/>
+              </a:cxn>
+              <a:cxn ang="0">
+                <a:pos x="connsiteX5" y="connsiteY5"/>
+              </a:cxn>
+            </a:cxnLst>
+            <a:rect l="l" t="t" r="r" b="b"/>
+            <a:pathLst>
+              <a:path w="3388208" h="3406341">
+                <a:moveTo>
+                  <a:pt x="3388058" y="0"/>
+                </a:moveTo>
+                <a:lnTo>
+                  <a:pt x="3388208" y="0"/>
+                </a:lnTo>
+                <a:lnTo>
+                  <a:pt x="3388208" y="3406341"/>
+                </a:lnTo>
+                <a:lnTo>
+                  <a:pt x="0" y="3406341"/>
+                </a:lnTo>
+                <a:lnTo>
+                  <a:pt x="79006" y="3404386"/>
+                </a:lnTo>
+                <a:cubicBezTo>
+                  <a:pt x="1864742" y="3315784"/>
+                  <a:pt x="3296223" y="1912901"/>
+                  <a:pt x="3383947" y="164274"/>
+                </a:cubicBezTo>
+                <a:close/>
+              </a:path>
+            </a:pathLst>
+          </a:custGeom>
+          <a:solidFill>
+            <a:schemeClr val="tx2"/>
+          </a:solidFill>
+          <a:ln>
+            <a:noFill/>
+          </a:ln>
+        </p:spPr>
+        <p:style>
+          <a:lnRef idx="2">
+            <a:schemeClr val="accent1">
+              <a:shade val="50000"/>
+            </a:schemeClr>
+          </a:lnRef>
+          <a:fillRef idx="1">
+            <a:schemeClr val="accent1"/>
+          </a:fillRef>
+          <a:effectRef idx="0">
+            <a:schemeClr val="accent1"/>
+          </a:effectRef>
+          <a:fontRef idx="minor">
+            <a:schemeClr val="lt1"/>
+          </a:fontRef>
+        </p:style>
+        <p:txBody>
+          <a:bodyPr wrap="square" rtlCol="0" anchor="ctr">
+            <a:noAutofit/>
+          </a:bodyPr>
+          <a:lstStyle/>
+          <a:p>
+            <a:pPr algn="ctr"/>
+            <a:endParaRPr lang="en-US"/>
+          </a:p>
+        </p:txBody>
+      </p:sp>
+      <p:pic>
+        <p:nvPicPr>
+          <p:cNvPr id="5" name="Content Placeholder 4" descr="A screenshot of a computer&#10;&#10;Description automatically generated">
+            <a:extLst>
+              <a:ext uri="{FF2B5EF4-FFF2-40B4-BE49-F238E27FC236}">
+                <a16:creationId xmlns:a16="http://schemas.microsoft.com/office/drawing/2014/main" id="{57B96DB6-E9C8-2602-D304-D57E48B1A14B}"/>
+              </a:ext>
+            </a:extLst>
+          </p:cNvPr>
+          <p:cNvPicPr>
+            <a:picLocks noChangeAspect="1"/>
+          </p:cNvPicPr>
+          <p:nvPr/>
+        </p:nvPicPr>
+        <p:blipFill>
+          <a:blip r:embed="rId2"/>
+          <a:stretch>
+            <a:fillRect/>
+          </a:stretch>
+        </p:blipFill>
+        <p:spPr>
+          <a:xfrm>
+            <a:off x="3707027" y="321276"/>
+            <a:ext cx="8130745" cy="6363729"/>
+          </a:xfrm>
+          <a:prstGeom prst="rect">
+            <a:avLst/>
+          </a:prstGeom>
+        </p:spPr>
+      </p:pic>
+      <p:sp>
+        <p:nvSpPr>
+          <p:cNvPr id="8" name="Content Placeholder 7">
+            <a:extLst>
+              <a:ext uri="{FF2B5EF4-FFF2-40B4-BE49-F238E27FC236}">
+                <a16:creationId xmlns:a16="http://schemas.microsoft.com/office/drawing/2014/main" id="{9624DC93-7975-630D-D95B-903D02BB4E83}"/>
+              </a:ext>
+            </a:extLst>
+          </p:cNvPr>
+          <p:cNvSpPr>
+            <a:spLocks noGrp="1"/>
+          </p:cNvSpPr>
+          <p:nvPr>
+            <p:ph idx="1"/>
+          </p:nvPr>
+        </p:nvSpPr>
+        <p:spPr/>
+        <p:txBody>
+          <a:bodyPr/>
+          <a:lstStyle/>
+          <a:p>
+            <a:endParaRPr lang="en-US" dirty="0"/>
+          </a:p>
+        </p:txBody>
+      </p:sp>
+    </p:spTree>
+    <p:extLst>
+      <p:ext uri="{BB962C8B-B14F-4D97-AF65-F5344CB8AC3E}">
+        <p14:creationId xmlns:p14="http://schemas.microsoft.com/office/powerpoint/2010/main" val="2988083219"/>
+      </p:ext>
+    </p:extLst>
+  </p:cSld>
+  <p:clrMapOvr>
+    <a:masterClrMapping/>
+  </p:clrMapOvr>
+</p:sld>
+</file>
+
 <file path=ppt/slides/slide2.xml><?xml version="1.0" encoding="utf-8"?>
 <p:sld xmlns:a="http://schemas.openxmlformats.org/drawingml/2006/main" xmlns:r="http://schemas.openxmlformats.org/officeDocument/2006/relationships" xmlns:p="http://schemas.openxmlformats.org/presentationml/2006/main">
   <p:cSld>
